--- a/Documentation/Final Report/Work/Contactless Loyalty.pptx
+++ b/Documentation/Final Report/Work/Contactless Loyalty.pptx
@@ -231,7 +231,7 @@
           <a:p>
             <a:fld id="{1CA5457B-CDAE-4DEB-AEC8-C82DE2312E37}" type="datetimeFigureOut">
               <a:rPr lang="en-US" smtClean="0"/>
-              <a:t>10/26/2020</a:t>
+              <a:t>10/27/2020</a:t>
             </a:fld>
             <a:endParaRPr lang="en-US" dirty="0"/>
           </a:p>
@@ -408,7 +408,7 @@
           <a:p>
             <a:fld id="{090B78EA-28CE-41D8-9043-90E391E5F567}" type="datetimeFigureOut">
               <a:rPr lang="en-US" noProof="0" smtClean="0"/>
-              <a:t>10/26/2020</a:t>
+              <a:t>10/27/2020</a:t>
             </a:fld>
             <a:endParaRPr lang="en-US" noProof="0" dirty="0"/>
           </a:p>
@@ -719,31 +719,41 @@
           <a:bodyPr/>
           <a:lstStyle/>
           <a:p>
+            <a:pPr marL="0" marR="0">
+              <a:spcBef>
+                <a:spcPts val="0"/>
+              </a:spcBef>
+              <a:spcAft>
+                <a:spcPts val="0"/>
+              </a:spcAft>
+            </a:pPr>
             <a:r>
-              <a:rPr lang="en-GB" dirty="0"/>
-              <a:t>The best approach for the FYP is to find something that you would love to study outside of the modules taught in the course. Because when it gets hard to continue, you still need the passion to work on it.</a:t>
+              <a:rPr lang="en-GB" sz="1800" dirty="0">
+                <a:effectLst/>
+                <a:latin typeface="Calibri" panose="020F0502020204030204" pitchFamily="34" charset="0"/>
+              </a:rPr>
+              <a:t>Hello everyone,</a:t>
+            </a:r>
+          </a:p>
+          <a:p>
+            <a:pPr marL="0" marR="0">
+              <a:spcBef>
+                <a:spcPts val="0"/>
+              </a:spcBef>
+              <a:spcAft>
+                <a:spcPts val="0"/>
+              </a:spcAft>
+            </a:pPr>
+            <a:r>
+              <a:rPr lang="en-GB" sz="1800" dirty="0">
+                <a:effectLst/>
+                <a:latin typeface="Calibri" panose="020F0502020204030204" pitchFamily="34" charset="0"/>
+              </a:rPr>
+              <a:t>This is contactless loyalty, my final year project about NFC.</a:t>
             </a:r>
           </a:p>
           <a:p>
             <a:endParaRPr lang="en-GB" dirty="0"/>
-          </a:p>
-          <a:p>
-            <a:r>
-              <a:rPr lang="en-GB" dirty="0"/>
-              <a:t>Something that have always fascinated me was the NFC technology and because I was ignorant about it, this was the best opportunity to me to learn more about this.</a:t>
-            </a:r>
-          </a:p>
-          <a:p>
-            <a:r>
-              <a:rPr lang="en-GB" dirty="0"/>
-              <a:t>What intrigued me to this topic was: “How does it actually work?” It’s so simple to use and how hard is it to develop something that uses it?</a:t>
-            </a:r>
-          </a:p>
-          <a:p>
-            <a:r>
-              <a:rPr lang="en-GB" dirty="0"/>
-              <a:t>I felt it was like working with Black Magic.</a:t>
-            </a:r>
           </a:p>
         </p:txBody>
       </p:sp>
@@ -764,7 +774,7 @@
           <a:p>
             <a:fld id="{1734D747-9380-41EE-9946-EC9EC0CA5D1E}" type="slidenum">
               <a:rPr lang="en-US" noProof="0" smtClean="0"/>
-              <a:t>2</a:t>
+              <a:t>1</a:t>
             </a:fld>
             <a:endParaRPr lang="en-US" noProof="0" dirty="0"/>
           </a:p>
@@ -773,7 +783,7 @@
     </p:spTree>
     <p:extLst>
       <p:ext uri="{BB962C8B-B14F-4D97-AF65-F5344CB8AC3E}">
-        <p14:creationId xmlns:p14="http://schemas.microsoft.com/office/powerpoint/2010/main" val="4065394078"/>
+        <p14:creationId xmlns:p14="http://schemas.microsoft.com/office/powerpoint/2010/main" val="3052189829"/>
       </p:ext>
     </p:extLst>
   </p:cSld>
@@ -828,32 +838,12 @@
           <a:lstStyle/>
           <a:p>
             <a:r>
-              <a:rPr lang="en-GB" dirty="0"/>
-              <a:t>Whatever is your software or work going to bring in the world, think about something that people can use. If as soon as you start talking you see at least one person getting immediately interested in the topic, that’s good news. You’re on the right track.</a:t>
+              <a:rPr lang="en-GB" sz="1800" dirty="0">
+                <a:effectLst/>
+                <a:latin typeface="Calibri" panose="020F0502020204030204" pitchFamily="34" charset="0"/>
+              </a:rPr>
+              <a:t>First of all, why NFC? I chose this topic because it was something I really liked. I started to use Google Pay to pay very often and I was intrigued by how it worked and I questioned myself what else can this technology be used for?</a:t>
             </a:r>
-          </a:p>
-          <a:p>
-            <a:endParaRPr lang="en-GB" dirty="0"/>
-          </a:p>
-          <a:p>
-            <a:r>
-              <a:rPr lang="en-GB" dirty="0"/>
-              <a:t>To understand and support your idea of development, you should make a survey or something that proves your ideas. In this way from the answer/feedback they can also give you some guidance on what they would expect from the software.</a:t>
-            </a:r>
-          </a:p>
-          <a:p>
-            <a:endParaRPr lang="en-GB" dirty="0"/>
-          </a:p>
-          <a:p>
-            <a:r>
-              <a:rPr lang="en-GB" dirty="0"/>
-              <a:t>I have made a quick survey that has told me that people would have loved to use something like my solution.</a:t>
-            </a:r>
-          </a:p>
-          <a:p>
-            <a:endParaRPr lang="en-GB" dirty="0"/>
-          </a:p>
-          <a:p>
             <a:endParaRPr lang="en-GB" dirty="0"/>
           </a:p>
         </p:txBody>
@@ -875,7 +865,7 @@
           <a:p>
             <a:fld id="{1734D747-9380-41EE-9946-EC9EC0CA5D1E}" type="slidenum">
               <a:rPr lang="en-US" noProof="0" smtClean="0"/>
-              <a:t>3</a:t>
+              <a:t>2</a:t>
             </a:fld>
             <a:endParaRPr lang="en-US" noProof="0" dirty="0"/>
           </a:p>
@@ -884,7 +874,7 @@
     </p:spTree>
     <p:extLst>
       <p:ext uri="{BB962C8B-B14F-4D97-AF65-F5344CB8AC3E}">
-        <p14:creationId xmlns:p14="http://schemas.microsoft.com/office/powerpoint/2010/main" val="520402665"/>
+        <p14:creationId xmlns:p14="http://schemas.microsoft.com/office/powerpoint/2010/main" val="4065394078"/>
       </p:ext>
     </p:extLst>
   </p:cSld>
@@ -939,8 +929,122 @@
           <a:lstStyle/>
           <a:p>
             <a:r>
-              <a:rPr lang="en-GB" dirty="0"/>
-              <a:t>My idea was related to find a purpose where I could fit the NFC to something that QR code was already using. Initially I was thinking to develop something similar to Google Pay and Apple Pay, basically a digital wallet where people could hold many retailers loyalty cards. But instead of scanning the barcode from the phone, they would just tap on the till in the same way they were paying with the NFC.</a:t>
+              <a:rPr lang="en-GB" sz="1800" dirty="0">
+                <a:effectLst/>
+                <a:latin typeface="Calibri" panose="020F0502020204030204" pitchFamily="34" charset="0"/>
+              </a:rPr>
+              <a:t>Secondly, I wondered if people would have used my application? Does it have meaning to exist? With the results of my survey I have found out that were many people interested. You can see about 79.5% of the people that responded in a positive manner towards my project implementation, so I went for it.</a:t>
+            </a:r>
+            <a:endParaRPr lang="en-GB" dirty="0"/>
+          </a:p>
+          <a:p>
+            <a:endParaRPr lang="en-GB" dirty="0"/>
+          </a:p>
+          <a:p>
+            <a:endParaRPr lang="en-GB" dirty="0"/>
+          </a:p>
+          <a:p>
+            <a:endParaRPr lang="en-GB" dirty="0"/>
+          </a:p>
+          <a:p>
+            <a:endParaRPr lang="en-GB" dirty="0"/>
+          </a:p>
+        </p:txBody>
+      </p:sp>
+      <p:sp>
+        <p:nvSpPr>
+          <p:cNvPr id="4" name="Slide Number Placeholder 3"/>
+          <p:cNvSpPr>
+            <a:spLocks noGrp="1"/>
+          </p:cNvSpPr>
+          <p:nvPr>
+            <p:ph type="sldNum" sz="quarter" idx="5"/>
+          </p:nvPr>
+        </p:nvSpPr>
+        <p:spPr/>
+        <p:txBody>
+          <a:bodyPr/>
+          <a:lstStyle/>
+          <a:p>
+            <a:fld id="{1734D747-9380-41EE-9946-EC9EC0CA5D1E}" type="slidenum">
+              <a:rPr lang="en-US" noProof="0" smtClean="0"/>
+              <a:t>3</a:t>
+            </a:fld>
+            <a:endParaRPr lang="en-US" noProof="0" dirty="0"/>
+          </a:p>
+        </p:txBody>
+      </p:sp>
+    </p:spTree>
+    <p:extLst>
+      <p:ext uri="{BB962C8B-B14F-4D97-AF65-F5344CB8AC3E}">
+        <p14:creationId xmlns:p14="http://schemas.microsoft.com/office/powerpoint/2010/main" val="520402665"/>
+      </p:ext>
+    </p:extLst>
+  </p:cSld>
+  <p:clrMapOvr>
+    <a:masterClrMapping/>
+  </p:clrMapOvr>
+</p:notes>
+</file>
+
+<file path=ppt/notesSlides/notesSlide4.xml><?xml version="1.0" encoding="utf-8"?>
+<p:notes xmlns:a="http://schemas.openxmlformats.org/drawingml/2006/main" xmlns:r="http://schemas.openxmlformats.org/officeDocument/2006/relationships" xmlns:p="http://schemas.openxmlformats.org/presentationml/2006/main">
+  <p:cSld>
+    <p:spTree>
+      <p:nvGrpSpPr>
+        <p:cNvPr id="1" name=""/>
+        <p:cNvGrpSpPr/>
+        <p:nvPr/>
+      </p:nvGrpSpPr>
+      <p:grpSpPr>
+        <a:xfrm>
+          <a:off x="0" y="0"/>
+          <a:ext cx="0" cy="0"/>
+          <a:chOff x="0" y="0"/>
+          <a:chExt cx="0" cy="0"/>
+        </a:xfrm>
+      </p:grpSpPr>
+      <p:sp>
+        <p:nvSpPr>
+          <p:cNvPr id="2" name="Slide Image Placeholder 1"/>
+          <p:cNvSpPr>
+            <a:spLocks noGrp="1" noRot="1" noChangeAspect="1"/>
+          </p:cNvSpPr>
+          <p:nvPr>
+            <p:ph type="sldImg"/>
+          </p:nvPr>
+        </p:nvSpPr>
+        <p:spPr/>
+      </p:sp>
+      <p:sp>
+        <p:nvSpPr>
+          <p:cNvPr id="3" name="Notes Placeholder 2"/>
+          <p:cNvSpPr>
+            <a:spLocks noGrp="1"/>
+          </p:cNvSpPr>
+          <p:nvPr>
+            <p:ph type="body" idx="1"/>
+          </p:nvPr>
+        </p:nvSpPr>
+        <p:spPr/>
+        <p:txBody>
+          <a:bodyPr/>
+          <a:lstStyle/>
+          <a:p>
+            <a:pPr marL="0" marR="0">
+              <a:spcBef>
+                <a:spcPts val="0"/>
+              </a:spcBef>
+              <a:spcAft>
+                <a:spcPts val="0"/>
+              </a:spcAft>
+            </a:pPr>
+            <a:r>
+              <a:rPr lang="en-GB" sz="1800" dirty="0">
+                <a:effectLst/>
+                <a:latin typeface="Calibri" panose="020F0502020204030204" pitchFamily="34" charset="0"/>
+              </a:rPr>
+              <a:t>Now, because I have worked in a placement year with a fintech company called i-movo, I was throw into the digital voucher economy. And that is where the loyalty part comes. The company I was working on were just providing the technology for a secure voucher, they were not offering any scheme but it was enough to lead me towards that direction.</a:t>
             </a:r>
           </a:p>
           <a:p>
@@ -1003,7 +1107,7 @@
             </a:pPr>
             <a:r>
               <a:rPr lang="en-GB" dirty="0"/>
-              <a:t>I receive the voucher to use in one month time by SMS</a:t>
+              <a:t>I receive the voucher as URL by SMS</a:t>
             </a:r>
           </a:p>
           <a:p>
@@ -1013,8 +1117,34 @@
             <a:endParaRPr lang="en-GB" dirty="0"/>
           </a:p>
           <a:p>
-            <a:pPr marL="228600" indent="-228600">
-              <a:buAutoNum type="arabicPeriod"/>
+            <a:pPr marL="0" marR="0" lvl="0" indent="0" algn="l" defTabSz="914400" rtl="0" eaLnBrk="1" fontAlgn="auto" latinLnBrk="0" hangingPunct="1">
+              <a:lnSpc>
+                <a:spcPct val="100000"/>
+              </a:lnSpc>
+              <a:spcBef>
+                <a:spcPts val="0"/>
+              </a:spcBef>
+              <a:spcAft>
+                <a:spcPts val="0"/>
+              </a:spcAft>
+              <a:buClrTx/>
+              <a:buSzTx/>
+              <a:buFontTx/>
+              <a:buNone/>
+              <a:tabLst/>
+              <a:defRPr/>
+            </a:pPr>
+            <a:r>
+              <a:rPr lang="en-GB" sz="1200" dirty="0">
+                <a:effectLst/>
+                <a:latin typeface="Calibri" panose="020F0502020204030204" pitchFamily="34" charset="0"/>
+              </a:rPr>
+              <a:t>My initial idea was to create a software that would have automatically let you collect the rewards point within a shop when you were going to pay with a contactless application on the smartphone so that later on you could use an i-movo voucher. Then I realised it was going to be impossible because I would have needed to develop something like Google Pay but also to collaborate with many different shops and see how their till worked. There were too many outside factors in order to complete my idea therefore I changed to a version where I still could collaborate with i-movo, the company of my placement year but also work with the NFC.</a:t>
+            </a:r>
+          </a:p>
+          <a:p>
+            <a:pPr marL="0" indent="0">
+              <a:buNone/>
             </a:pPr>
             <a:endParaRPr lang="en-GB" dirty="0"/>
           </a:p>
@@ -1050,6 +1180,192 @@
     <p:extLst>
       <p:ext uri="{BB962C8B-B14F-4D97-AF65-F5344CB8AC3E}">
         <p14:creationId xmlns:p14="http://schemas.microsoft.com/office/powerpoint/2010/main" val="3510947608"/>
+      </p:ext>
+    </p:extLst>
+  </p:cSld>
+  <p:clrMapOvr>
+    <a:masterClrMapping/>
+  </p:clrMapOvr>
+</p:notes>
+</file>
+
+<file path=ppt/notesSlides/notesSlide5.xml><?xml version="1.0" encoding="utf-8"?>
+<p:notes xmlns:a="http://schemas.openxmlformats.org/drawingml/2006/main" xmlns:r="http://schemas.openxmlformats.org/officeDocument/2006/relationships" xmlns:p="http://schemas.openxmlformats.org/presentationml/2006/main">
+  <p:cSld>
+    <p:spTree>
+      <p:nvGrpSpPr>
+        <p:cNvPr id="1" name=""/>
+        <p:cNvGrpSpPr/>
+        <p:nvPr/>
+      </p:nvGrpSpPr>
+      <p:grpSpPr>
+        <a:xfrm>
+          <a:off x="0" y="0"/>
+          <a:ext cx="0" cy="0"/>
+          <a:chOff x="0" y="0"/>
+          <a:chExt cx="0" cy="0"/>
+        </a:xfrm>
+      </p:grpSpPr>
+      <p:sp>
+        <p:nvSpPr>
+          <p:cNvPr id="2" name="Slide Image Placeholder 1"/>
+          <p:cNvSpPr>
+            <a:spLocks noGrp="1" noRot="1" noChangeAspect="1"/>
+          </p:cNvSpPr>
+          <p:nvPr>
+            <p:ph type="sldImg"/>
+          </p:nvPr>
+        </p:nvSpPr>
+        <p:spPr/>
+      </p:sp>
+      <p:sp>
+        <p:nvSpPr>
+          <p:cNvPr id="3" name="Notes Placeholder 2"/>
+          <p:cNvSpPr>
+            <a:spLocks noGrp="1"/>
+          </p:cNvSpPr>
+          <p:nvPr>
+            <p:ph type="body" idx="1"/>
+          </p:nvPr>
+        </p:nvSpPr>
+        <p:spPr/>
+        <p:txBody>
+          <a:bodyPr/>
+          <a:lstStyle/>
+          <a:p>
+            <a:r>
+              <a:rPr lang="en-GB" sz="1800" dirty="0">
+                <a:effectLst/>
+                <a:latin typeface="Calibri" panose="020F0502020204030204" pitchFamily="34" charset="0"/>
+              </a:rPr>
+              <a:t>By the time I was going to develop, I found out about a new experimental feature released on Chromium browsers that would let Web Applications to use the NFC technology. I was excited and fascinated at the same time because that means that the solution would have been available cross platform, no need for the user install anything, update anything</a:t>
+            </a:r>
+            <a:endParaRPr lang="en-GB" dirty="0"/>
+          </a:p>
+        </p:txBody>
+      </p:sp>
+      <p:sp>
+        <p:nvSpPr>
+          <p:cNvPr id="4" name="Slide Number Placeholder 3"/>
+          <p:cNvSpPr>
+            <a:spLocks noGrp="1"/>
+          </p:cNvSpPr>
+          <p:nvPr>
+            <p:ph type="sldNum" sz="quarter" idx="5"/>
+          </p:nvPr>
+        </p:nvSpPr>
+        <p:spPr/>
+        <p:txBody>
+          <a:bodyPr/>
+          <a:lstStyle/>
+          <a:p>
+            <a:fld id="{1734D747-9380-41EE-9946-EC9EC0CA5D1E}" type="slidenum">
+              <a:rPr lang="en-US" noProof="0" smtClean="0"/>
+              <a:t>5</a:t>
+            </a:fld>
+            <a:endParaRPr lang="en-US" noProof="0" dirty="0"/>
+          </a:p>
+        </p:txBody>
+      </p:sp>
+    </p:spTree>
+    <p:extLst>
+      <p:ext uri="{BB962C8B-B14F-4D97-AF65-F5344CB8AC3E}">
+        <p14:creationId xmlns:p14="http://schemas.microsoft.com/office/powerpoint/2010/main" val="2050633684"/>
+      </p:ext>
+    </p:extLst>
+  </p:cSld>
+  <p:clrMapOvr>
+    <a:masterClrMapping/>
+  </p:clrMapOvr>
+</p:notes>
+</file>
+
+<file path=ppt/notesSlides/notesSlide6.xml><?xml version="1.0" encoding="utf-8"?>
+<p:notes xmlns:a="http://schemas.openxmlformats.org/drawingml/2006/main" xmlns:r="http://schemas.openxmlformats.org/officeDocument/2006/relationships" xmlns:p="http://schemas.openxmlformats.org/presentationml/2006/main">
+  <p:cSld>
+    <p:spTree>
+      <p:nvGrpSpPr>
+        <p:cNvPr id="1" name=""/>
+        <p:cNvGrpSpPr/>
+        <p:nvPr/>
+      </p:nvGrpSpPr>
+      <p:grpSpPr>
+        <a:xfrm>
+          <a:off x="0" y="0"/>
+          <a:ext cx="0" cy="0"/>
+          <a:chOff x="0" y="0"/>
+          <a:chExt cx="0" cy="0"/>
+        </a:xfrm>
+      </p:grpSpPr>
+      <p:sp>
+        <p:nvSpPr>
+          <p:cNvPr id="2" name="Slide Image Placeholder 1"/>
+          <p:cNvSpPr>
+            <a:spLocks noGrp="1" noRot="1" noChangeAspect="1"/>
+          </p:cNvSpPr>
+          <p:nvPr>
+            <p:ph type="sldImg"/>
+          </p:nvPr>
+        </p:nvSpPr>
+        <p:spPr/>
+      </p:sp>
+      <p:sp>
+        <p:nvSpPr>
+          <p:cNvPr id="3" name="Notes Placeholder 2"/>
+          <p:cNvSpPr>
+            <a:spLocks noGrp="1"/>
+          </p:cNvSpPr>
+          <p:nvPr>
+            <p:ph type="body" idx="1"/>
+          </p:nvPr>
+        </p:nvSpPr>
+        <p:spPr/>
+        <p:txBody>
+          <a:bodyPr/>
+          <a:lstStyle/>
+          <a:p>
+            <a:r>
+              <a:rPr lang="en-GB" dirty="0"/>
+              <a:t>Based on </a:t>
+            </a:r>
+            <a:r>
+              <a:rPr lang="en-GB" dirty="0" err="1"/>
+              <a:t>Github</a:t>
+            </a:r>
+            <a:r>
+              <a:rPr lang="en-GB" dirty="0"/>
+              <a:t> you can see the different languages used. In order to develop it I mostly followed this process of implementation, test, fix and document</a:t>
+            </a:r>
+          </a:p>
+        </p:txBody>
+      </p:sp>
+      <p:sp>
+        <p:nvSpPr>
+          <p:cNvPr id="4" name="Slide Number Placeholder 3"/>
+          <p:cNvSpPr>
+            <a:spLocks noGrp="1"/>
+          </p:cNvSpPr>
+          <p:nvPr>
+            <p:ph type="sldNum" sz="quarter" idx="5"/>
+          </p:nvPr>
+        </p:nvSpPr>
+        <p:spPr/>
+        <p:txBody>
+          <a:bodyPr/>
+          <a:lstStyle/>
+          <a:p>
+            <a:fld id="{1734D747-9380-41EE-9946-EC9EC0CA5D1E}" type="slidenum">
+              <a:rPr lang="en-US" noProof="0" smtClean="0"/>
+              <a:t>6</a:t>
+            </a:fld>
+            <a:endParaRPr lang="en-US" noProof="0" dirty="0"/>
+          </a:p>
+        </p:txBody>
+      </p:sp>
+    </p:spTree>
+    <p:extLst>
+      <p:ext uri="{BB962C8B-B14F-4D97-AF65-F5344CB8AC3E}">
+        <p14:creationId xmlns:p14="http://schemas.microsoft.com/office/powerpoint/2010/main" val="724948258"/>
       </p:ext>
     </p:extLst>
   </p:cSld>
@@ -25812,45 +26128,6 @@
             <a:r>
               <a:rPr lang="en-US" dirty="0"/>
               <a:t>Shouyi Cui</a:t>
-            </a:r>
-          </a:p>
-        </p:txBody>
-      </p:sp>
-      <p:sp>
-        <p:nvSpPr>
-          <p:cNvPr id="4" name="TextBox 3">
-            <a:extLst>
-              <a:ext uri="{FF2B5EF4-FFF2-40B4-BE49-F238E27FC236}">
-                <a16:creationId xmlns:a16="http://schemas.microsoft.com/office/drawing/2014/main" id="{B36F4E39-753A-4E99-83A6-2F0FF7553B46}"/>
-              </a:ext>
-            </a:extLst>
-          </p:cNvPr>
-          <p:cNvSpPr txBox="1"/>
-          <p:nvPr/>
-        </p:nvSpPr>
-        <p:spPr>
-          <a:xfrm>
-            <a:off x="8063807" y="5977890"/>
-            <a:ext cx="2826799" cy="369332"/>
-          </a:xfrm>
-          <a:prstGeom prst="rect">
-            <a:avLst/>
-          </a:prstGeom>
-          <a:noFill/>
-        </p:spPr>
-        <p:txBody>
-          <a:bodyPr wrap="none" rtlCol="0">
-            <a:spAutoFit/>
-          </a:bodyPr>
-          <a:lstStyle/>
-          <a:p>
-            <a:r>
-              <a:rPr lang="en-GB" dirty="0">
-                <a:solidFill>
-                  <a:schemeClr val="bg1"/>
-                </a:solidFill>
-              </a:rPr>
-              <a:t>A Final Year Project guide</a:t>
             </a:r>
           </a:p>
         </p:txBody>
@@ -27606,7 +27883,7 @@
           <p:nvPr/>
         </p:nvPicPr>
         <p:blipFill>
-          <a:blip r:embed="rId2"/>
+          <a:blip r:embed="rId3"/>
           <a:stretch>
             <a:fillRect/>
           </a:stretch>
@@ -27883,13 +28160,13 @@
   <p:clrMapOvr>
     <a:masterClrMapping/>
   </p:clrMapOvr>
-  <mc:AlternateContent xmlns:mc="http://schemas.openxmlformats.org/markup-compatibility/2006">
-    <mc:Choice xmlns:p14="http://schemas.microsoft.com/office/powerpoint/2010/main" Requires="p14">
+  <mc:AlternateContent xmlns:mc="http://schemas.openxmlformats.org/markup-compatibility/2006" xmlns:p14="http://schemas.microsoft.com/office/powerpoint/2010/main">
+    <mc:Choice Requires="p14">
       <p:transition spd="med" p14:dur="700">
         <p:fade/>
       </p:transition>
     </mc:Choice>
-    <mc:Fallback>
+    <mc:Fallback xmlns="">
       <p:transition spd="med">
         <p:fade/>
       </p:transition>
@@ -28961,23 +29238,6 @@
 </file>
 
 <file path=customXml/item1.xml><?xml version="1.0" encoding="utf-8"?>
-<p:properties xmlns:p="http://schemas.microsoft.com/office/2006/metadata/properties" xmlns:xsi="http://www.w3.org/2001/XMLSchema-instance" xmlns:pc="http://schemas.microsoft.com/office/infopath/2007/PartnerControls">
-  <documentManagement>
-    <MediaServiceKeyPoints xmlns="71af3243-3dd4-4a8d-8c0d-dd76da1f02a5" xsi:nil="true"/>
-  </documentManagement>
-</p:properties>
-</file>
-
-<file path=customXml/item2.xml><?xml version="1.0" encoding="utf-8"?>
-<?mso-contentType ?>
-<FormTemplates xmlns="http://schemas.microsoft.com/sharepoint/v3/contenttype/forms">
-  <Display>DocumentLibraryForm</Display>
-  <Edit>DocumentLibraryForm</Edit>
-  <New>DocumentLibraryForm</New>
-</FormTemplates>
-</file>
-
-<file path=customXml/item3.xml><?xml version="1.0" encoding="utf-8"?>
 <ct:contentTypeSchema xmlns:ct="http://schemas.microsoft.com/office/2006/metadata/contentType" xmlns:ma="http://schemas.microsoft.com/office/2006/metadata/properties/metaAttributes" ct:_="" ma:_="" ma:contentTypeName="Document" ma:contentTypeID="0x01010079F111ED35F8CC479449609E8A0923A6" ma:contentTypeVersion="11" ma:contentTypeDescription="Create a new document." ma:contentTypeScope="" ma:versionID="96291512c1ee715ab617f4c07df79fc1">
   <xsd:schema xmlns:xsd="http://www.w3.org/2001/XMLSchema" xmlns:xs="http://www.w3.org/2001/XMLSchema" xmlns:p="http://schemas.microsoft.com/office/2006/metadata/properties" xmlns:ns2="71af3243-3dd4-4a8d-8c0d-dd76da1f02a5" xmlns:ns3="16c05727-aa75-4e4a-9b5f-8a80a1165891" targetNamespace="http://schemas.microsoft.com/office/2006/metadata/properties" ma:root="true" ma:fieldsID="8256c27c40ca5c40ce1cf6c44f0205df" ns2:_="" ns3:_="">
     <xsd:import namespace="71af3243-3dd4-4a8d-8c0d-dd76da1f02a5"/>
@@ -29188,25 +29448,24 @@
 </ct:contentTypeSchema>
 </file>
 
-<file path=customXml/itemProps1.xml><?xml version="1.0" encoding="utf-8"?>
-<ds:datastoreItem xmlns:ds="http://schemas.openxmlformats.org/officeDocument/2006/customXml" ds:itemID="{F5757914-1161-4661-9696-421FD6935CDD}">
-  <ds:schemaRefs>
-    <ds:schemaRef ds:uri="http://schemas.microsoft.com/office/2006/metadata/properties"/>
-    <ds:schemaRef ds:uri="http://schemas.microsoft.com/office/infopath/2007/PartnerControls"/>
-    <ds:schemaRef ds:uri="71af3243-3dd4-4a8d-8c0d-dd76da1f02a5"/>
-  </ds:schemaRefs>
-</ds:datastoreItem>
+<file path=customXml/item2.xml><?xml version="1.0" encoding="utf-8"?>
+<?mso-contentType ?>
+<FormTemplates xmlns="http://schemas.microsoft.com/sharepoint/v3/contenttype/forms">
+  <Display>DocumentLibraryForm</Display>
+  <Edit>DocumentLibraryForm</Edit>
+  <New>DocumentLibraryForm</New>
+</FormTemplates>
 </file>
 
-<file path=customXml/itemProps2.xml><?xml version="1.0" encoding="utf-8"?>
-<ds:datastoreItem xmlns:ds="http://schemas.openxmlformats.org/officeDocument/2006/customXml" ds:itemID="{5B26E0C9-B2AA-42E6-97B6-E1B7D9EAF129}">
-  <ds:schemaRefs>
-    <ds:schemaRef ds:uri="http://schemas.microsoft.com/sharepoint/v3/contenttype/forms"/>
-  </ds:schemaRefs>
-</ds:datastoreItem>
+<file path=customXml/item3.xml><?xml version="1.0" encoding="utf-8"?>
+<p:properties xmlns:p="http://schemas.microsoft.com/office/2006/metadata/properties" xmlns:xsi="http://www.w3.org/2001/XMLSchema-instance" xmlns:pc="http://schemas.microsoft.com/office/infopath/2007/PartnerControls">
+  <documentManagement>
+    <MediaServiceKeyPoints xmlns="71af3243-3dd4-4a8d-8c0d-dd76da1f02a5" xsi:nil="true"/>
+  </documentManagement>
+</p:properties>
 </file>
 
-<file path=customXml/itemProps3.xml><?xml version="1.0" encoding="utf-8"?>
+<file path=customXml/itemProps1.xml><?xml version="1.0" encoding="utf-8"?>
 <ds:datastoreItem xmlns:ds="http://schemas.openxmlformats.org/officeDocument/2006/customXml" ds:itemID="{4C103400-4A22-4E35-B588-4C4D42638959}">
   <ds:schemaRefs>
     <ds:schemaRef ds:uri="http://schemas.microsoft.com/office/2006/metadata/contentType"/>
@@ -29223,4 +29482,22 @@
     <ds:schemaRef ds:uri="http://schemas.microsoft.com/internal/obd"/>
   </ds:schemaRefs>
 </ds:datastoreItem>
+</file>
+
+<file path=customXml/itemProps2.xml><?xml version="1.0" encoding="utf-8"?>
+<ds:datastoreItem xmlns:ds="http://schemas.openxmlformats.org/officeDocument/2006/customXml" ds:itemID="{5B26E0C9-B2AA-42E6-97B6-E1B7D9EAF129}">
+  <ds:schemaRefs>
+    <ds:schemaRef ds:uri="http://schemas.microsoft.com/sharepoint/v3/contenttype/forms"/>
+  </ds:schemaRefs>
+</ds:datastoreItem>
+</file>
+
+<file path=customXml/itemProps3.xml><?xml version="1.0" encoding="utf-8"?>
+<ds:datastoreItem xmlns:ds="http://schemas.openxmlformats.org/officeDocument/2006/customXml" ds:itemID="{F5757914-1161-4661-9696-421FD6935CDD}">
+  <ds:schemaRefs>
+    <ds:schemaRef ds:uri="http://schemas.microsoft.com/office/2006/metadata/properties"/>
+    <ds:schemaRef ds:uri="http://schemas.microsoft.com/office/infopath/2007/PartnerControls"/>
+    <ds:schemaRef ds:uri="71af3243-3dd4-4a8d-8c0d-dd76da1f02a5"/>
+  </ds:schemaRefs>
+</ds:datastoreItem>
 </file>